--- a/cacna2023-poster-en.pptx
+++ b/cacna2023-poster-en.pptx
@@ -8135,7 +8135,7 @@
                 </a:solidFill>
                 <a:latin typeface="Libre Baskerville" panose="02000000000000000000" pitchFamily="2" charset="0"/>
               </a:rPr>
-              <a:t>Discussion</a:t>
+              <a:t>Conclusion</a:t>
             </a:r>
           </a:p>
         </p:txBody>
